--- a/ppt 16-9/1607.小小的梦想.pptx
+++ b/ppt 16-9/1607.小小的梦想.pptx
@@ -5,7 +5,7 @@
     <p:sldMasterId id="2147483648" r:id="rId1"/>
   </p:sldMasterIdLst>
   <p:sldIdLst>
-    <p:sldId id="3467" r:id="rId2"/>
+    <p:sldId id="3457" r:id="rId2"/>
   </p:sldIdLst>
   <p:sldSz cx="12192000" cy="6858000"/>
   <p:notesSz cx="6858000" cy="9144000"/>
@@ -129,7 +129,7 @@
           <p:cNvPr id="2" name="标题 1">
             <a:extLst>
               <a:ext uri="{FF2B5EF4-FFF2-40B4-BE49-F238E27FC236}">
-                <a16:creationId xmlns:a16="http://schemas.microsoft.com/office/drawing/2014/main" id="{EFDAAF3F-AA26-5088-1911-446D04725075}"/>
+                <a16:creationId xmlns:a16="http://schemas.microsoft.com/office/drawing/2014/main" id="{750A630A-FF94-7522-4CD4-BEB5AA400158}"/>
               </a:ext>
             </a:extLst>
           </p:cNvPr>
@@ -166,7 +166,7 @@
           <p:cNvPr id="3" name="副标题 2">
             <a:extLst>
               <a:ext uri="{FF2B5EF4-FFF2-40B4-BE49-F238E27FC236}">
-                <a16:creationId xmlns:a16="http://schemas.microsoft.com/office/drawing/2014/main" id="{BAAFF33C-7FEA-DFDB-140B-0D67A8218877}"/>
+                <a16:creationId xmlns:a16="http://schemas.microsoft.com/office/drawing/2014/main" id="{1A49C8BF-299D-C3FA-7FE8-643DC34EABE0}"/>
               </a:ext>
             </a:extLst>
           </p:cNvPr>
@@ -236,7 +236,7 @@
           <p:cNvPr id="4" name="日期占位符 3">
             <a:extLst>
               <a:ext uri="{FF2B5EF4-FFF2-40B4-BE49-F238E27FC236}">
-                <a16:creationId xmlns:a16="http://schemas.microsoft.com/office/drawing/2014/main" id="{546BA8E4-039F-7B02-2271-09601275B662}"/>
+                <a16:creationId xmlns:a16="http://schemas.microsoft.com/office/drawing/2014/main" id="{587C2C81-3F8D-0EE2-33BA-552420EBE18F}"/>
               </a:ext>
             </a:extLst>
           </p:cNvPr>
@@ -252,7 +252,7 @@
           <a:bodyPr/>
           <a:lstStyle/>
           <a:p>
-            <a:fld id="{C946D64F-CE17-4FA0-B1F1-3E349C79039B}" type="datetimeFigureOut">
+            <a:fld id="{0965B52C-D0AA-4F2C-BECE-E790690F16A4}" type="datetimeFigureOut">
               <a:rPr lang="zh-CN" altLang="en-US" smtClean="0"/>
               <a:t>2024/3/10</a:t>
             </a:fld>
@@ -265,7 +265,7 @@
           <p:cNvPr id="5" name="页脚占位符 4">
             <a:extLst>
               <a:ext uri="{FF2B5EF4-FFF2-40B4-BE49-F238E27FC236}">
-                <a16:creationId xmlns:a16="http://schemas.microsoft.com/office/drawing/2014/main" id="{2EDF31D0-7C65-89CC-63F3-F2604A9B7348}"/>
+                <a16:creationId xmlns:a16="http://schemas.microsoft.com/office/drawing/2014/main" id="{8930ED7E-AFA2-E71B-03F1-3EBEE1086D1B}"/>
               </a:ext>
             </a:extLst>
           </p:cNvPr>
@@ -290,7 +290,7 @@
           <p:cNvPr id="6" name="灯片编号占位符 5">
             <a:extLst>
               <a:ext uri="{FF2B5EF4-FFF2-40B4-BE49-F238E27FC236}">
-                <a16:creationId xmlns:a16="http://schemas.microsoft.com/office/drawing/2014/main" id="{323D91D8-98DF-0E07-432F-43E1C7BAD2A9}"/>
+                <a16:creationId xmlns:a16="http://schemas.microsoft.com/office/drawing/2014/main" id="{8D147724-B125-FEC1-8913-C6D84C33B49A}"/>
               </a:ext>
             </a:extLst>
           </p:cNvPr>
@@ -306,7 +306,7 @@
           <a:bodyPr/>
           <a:lstStyle/>
           <a:p>
-            <a:fld id="{EF7ADB0E-C689-41B8-B3C0-43005615D644}" type="slidenum">
+            <a:fld id="{381EBD71-9C8E-4DB5-83E5-857CCE8FB160}" type="slidenum">
               <a:rPr lang="zh-CN" altLang="en-US" smtClean="0"/>
               <a:t>‹#›</a:t>
             </a:fld>
@@ -317,7 +317,7 @@
     </p:spTree>
     <p:extLst>
       <p:ext uri="{BB962C8B-B14F-4D97-AF65-F5344CB8AC3E}">
-        <p14:creationId xmlns:p14="http://schemas.microsoft.com/office/powerpoint/2010/main" val="1045524992"/>
+        <p14:creationId xmlns:p14="http://schemas.microsoft.com/office/powerpoint/2010/main" val="871441751"/>
       </p:ext>
     </p:extLst>
   </p:cSld>
@@ -349,7 +349,7 @@
           <p:cNvPr id="2" name="标题 1">
             <a:extLst>
               <a:ext uri="{FF2B5EF4-FFF2-40B4-BE49-F238E27FC236}">
-                <a16:creationId xmlns:a16="http://schemas.microsoft.com/office/drawing/2014/main" id="{26037CD9-3E97-894F-D283-208EED286735}"/>
+                <a16:creationId xmlns:a16="http://schemas.microsoft.com/office/drawing/2014/main" id="{743E3E2B-D9C7-A0DB-A3D4-FE3FBD288F9B}"/>
               </a:ext>
             </a:extLst>
           </p:cNvPr>
@@ -377,7 +377,7 @@
           <p:cNvPr id="3" name="竖排文字占位符 2">
             <a:extLst>
               <a:ext uri="{FF2B5EF4-FFF2-40B4-BE49-F238E27FC236}">
-                <a16:creationId xmlns:a16="http://schemas.microsoft.com/office/drawing/2014/main" id="{3A260D75-19FF-6CB0-1DCB-140CA273D028}"/>
+                <a16:creationId xmlns:a16="http://schemas.microsoft.com/office/drawing/2014/main" id="{5D6E6C7A-E4E8-3B5F-E58F-4B0BB1FBA0FB}"/>
               </a:ext>
             </a:extLst>
           </p:cNvPr>
@@ -434,7 +434,7 @@
           <p:cNvPr id="4" name="日期占位符 3">
             <a:extLst>
               <a:ext uri="{FF2B5EF4-FFF2-40B4-BE49-F238E27FC236}">
-                <a16:creationId xmlns:a16="http://schemas.microsoft.com/office/drawing/2014/main" id="{6E2352F4-8D74-15AE-DAFE-B421FAAC448D}"/>
+                <a16:creationId xmlns:a16="http://schemas.microsoft.com/office/drawing/2014/main" id="{B2A77999-2987-F72F-403F-CD7E2522B43B}"/>
               </a:ext>
             </a:extLst>
           </p:cNvPr>
@@ -450,7 +450,7 @@
           <a:bodyPr/>
           <a:lstStyle/>
           <a:p>
-            <a:fld id="{C946D64F-CE17-4FA0-B1F1-3E349C79039B}" type="datetimeFigureOut">
+            <a:fld id="{0965B52C-D0AA-4F2C-BECE-E790690F16A4}" type="datetimeFigureOut">
               <a:rPr lang="zh-CN" altLang="en-US" smtClean="0"/>
               <a:t>2024/3/10</a:t>
             </a:fld>
@@ -463,7 +463,7 @@
           <p:cNvPr id="5" name="页脚占位符 4">
             <a:extLst>
               <a:ext uri="{FF2B5EF4-FFF2-40B4-BE49-F238E27FC236}">
-                <a16:creationId xmlns:a16="http://schemas.microsoft.com/office/drawing/2014/main" id="{AB0F2CE5-BAF8-9258-2014-750C1E431C07}"/>
+                <a16:creationId xmlns:a16="http://schemas.microsoft.com/office/drawing/2014/main" id="{0C6EB4B3-0A44-D12E-FF90-83EF4803B474}"/>
               </a:ext>
             </a:extLst>
           </p:cNvPr>
@@ -488,7 +488,7 @@
           <p:cNvPr id="6" name="灯片编号占位符 5">
             <a:extLst>
               <a:ext uri="{FF2B5EF4-FFF2-40B4-BE49-F238E27FC236}">
-                <a16:creationId xmlns:a16="http://schemas.microsoft.com/office/drawing/2014/main" id="{F3B52897-8241-FFB5-550A-D439DECAABDD}"/>
+                <a16:creationId xmlns:a16="http://schemas.microsoft.com/office/drawing/2014/main" id="{DD818241-2D52-FDE5-25F2-4063DC725085}"/>
               </a:ext>
             </a:extLst>
           </p:cNvPr>
@@ -504,7 +504,7 @@
           <a:bodyPr/>
           <a:lstStyle/>
           <a:p>
-            <a:fld id="{EF7ADB0E-C689-41B8-B3C0-43005615D644}" type="slidenum">
+            <a:fld id="{381EBD71-9C8E-4DB5-83E5-857CCE8FB160}" type="slidenum">
               <a:rPr lang="zh-CN" altLang="en-US" smtClean="0"/>
               <a:t>‹#›</a:t>
             </a:fld>
@@ -515,7 +515,7 @@
     </p:spTree>
     <p:extLst>
       <p:ext uri="{BB962C8B-B14F-4D97-AF65-F5344CB8AC3E}">
-        <p14:creationId xmlns:p14="http://schemas.microsoft.com/office/powerpoint/2010/main" val="982562698"/>
+        <p14:creationId xmlns:p14="http://schemas.microsoft.com/office/powerpoint/2010/main" val="1394877099"/>
       </p:ext>
     </p:extLst>
   </p:cSld>
@@ -547,7 +547,7 @@
           <p:cNvPr id="2" name="竖排标题 1">
             <a:extLst>
               <a:ext uri="{FF2B5EF4-FFF2-40B4-BE49-F238E27FC236}">
-                <a16:creationId xmlns:a16="http://schemas.microsoft.com/office/drawing/2014/main" id="{CA32C296-8E25-11D1-71C9-862F521AC54A}"/>
+                <a16:creationId xmlns:a16="http://schemas.microsoft.com/office/drawing/2014/main" id="{CE9CB79F-1BB1-B1EF-B14E-55066933AF2C}"/>
               </a:ext>
             </a:extLst>
           </p:cNvPr>
@@ -580,7 +580,7 @@
           <p:cNvPr id="3" name="竖排文字占位符 2">
             <a:extLst>
               <a:ext uri="{FF2B5EF4-FFF2-40B4-BE49-F238E27FC236}">
-                <a16:creationId xmlns:a16="http://schemas.microsoft.com/office/drawing/2014/main" id="{0D2D5902-5042-8DFA-BF85-9D8F7FD3404E}"/>
+                <a16:creationId xmlns:a16="http://schemas.microsoft.com/office/drawing/2014/main" id="{16E6395C-E86E-E5A9-F1E7-B41D0451A842}"/>
               </a:ext>
             </a:extLst>
           </p:cNvPr>
@@ -642,7 +642,7 @@
           <p:cNvPr id="4" name="日期占位符 3">
             <a:extLst>
               <a:ext uri="{FF2B5EF4-FFF2-40B4-BE49-F238E27FC236}">
-                <a16:creationId xmlns:a16="http://schemas.microsoft.com/office/drawing/2014/main" id="{6256F930-296B-27D3-7288-919E3914291F}"/>
+                <a16:creationId xmlns:a16="http://schemas.microsoft.com/office/drawing/2014/main" id="{68F8FE4B-52B7-4593-C207-B962246C262E}"/>
               </a:ext>
             </a:extLst>
           </p:cNvPr>
@@ -658,7 +658,7 @@
           <a:bodyPr/>
           <a:lstStyle/>
           <a:p>
-            <a:fld id="{C946D64F-CE17-4FA0-B1F1-3E349C79039B}" type="datetimeFigureOut">
+            <a:fld id="{0965B52C-D0AA-4F2C-BECE-E790690F16A4}" type="datetimeFigureOut">
               <a:rPr lang="zh-CN" altLang="en-US" smtClean="0"/>
               <a:t>2024/3/10</a:t>
             </a:fld>
@@ -671,7 +671,7 @@
           <p:cNvPr id="5" name="页脚占位符 4">
             <a:extLst>
               <a:ext uri="{FF2B5EF4-FFF2-40B4-BE49-F238E27FC236}">
-                <a16:creationId xmlns:a16="http://schemas.microsoft.com/office/drawing/2014/main" id="{B8434436-DD4B-7F9D-3618-47B656D758BF}"/>
+                <a16:creationId xmlns:a16="http://schemas.microsoft.com/office/drawing/2014/main" id="{B555CF20-AE6B-E240-7EC8-B1C29255699A}"/>
               </a:ext>
             </a:extLst>
           </p:cNvPr>
@@ -696,7 +696,7 @@
           <p:cNvPr id="6" name="灯片编号占位符 5">
             <a:extLst>
               <a:ext uri="{FF2B5EF4-FFF2-40B4-BE49-F238E27FC236}">
-                <a16:creationId xmlns:a16="http://schemas.microsoft.com/office/drawing/2014/main" id="{2AA6FCE4-ADAB-B906-9C34-5ECE36CC18EC}"/>
+                <a16:creationId xmlns:a16="http://schemas.microsoft.com/office/drawing/2014/main" id="{21AF934B-CE40-0DF7-98A5-D3F5DA4E9F65}"/>
               </a:ext>
             </a:extLst>
           </p:cNvPr>
@@ -712,7 +712,7 @@
           <a:bodyPr/>
           <a:lstStyle/>
           <a:p>
-            <a:fld id="{EF7ADB0E-C689-41B8-B3C0-43005615D644}" type="slidenum">
+            <a:fld id="{381EBD71-9C8E-4DB5-83E5-857CCE8FB160}" type="slidenum">
               <a:rPr lang="zh-CN" altLang="en-US" smtClean="0"/>
               <a:t>‹#›</a:t>
             </a:fld>
@@ -723,7 +723,7 @@
     </p:spTree>
     <p:extLst>
       <p:ext uri="{BB962C8B-B14F-4D97-AF65-F5344CB8AC3E}">
-        <p14:creationId xmlns:p14="http://schemas.microsoft.com/office/powerpoint/2010/main" val="2869322304"/>
+        <p14:creationId xmlns:p14="http://schemas.microsoft.com/office/powerpoint/2010/main" val="1428171389"/>
       </p:ext>
     </p:extLst>
   </p:cSld>
@@ -755,7 +755,7 @@
           <p:cNvPr id="2" name="标题 1">
             <a:extLst>
               <a:ext uri="{FF2B5EF4-FFF2-40B4-BE49-F238E27FC236}">
-                <a16:creationId xmlns:a16="http://schemas.microsoft.com/office/drawing/2014/main" id="{8EF4AC4C-87AC-1496-AB36-0A1A4A28C009}"/>
+                <a16:creationId xmlns:a16="http://schemas.microsoft.com/office/drawing/2014/main" id="{F900759E-9563-A16C-0FC9-D3D5FF9235D8}"/>
               </a:ext>
             </a:extLst>
           </p:cNvPr>
@@ -783,7 +783,7 @@
           <p:cNvPr id="3" name="内容占位符 2">
             <a:extLst>
               <a:ext uri="{FF2B5EF4-FFF2-40B4-BE49-F238E27FC236}">
-                <a16:creationId xmlns:a16="http://schemas.microsoft.com/office/drawing/2014/main" id="{FC092BE0-3524-6C5C-2693-4860A5200F8A}"/>
+                <a16:creationId xmlns:a16="http://schemas.microsoft.com/office/drawing/2014/main" id="{CC40394D-5C43-8DD8-203E-8108C06C4399}"/>
               </a:ext>
             </a:extLst>
           </p:cNvPr>
@@ -840,7 +840,7 @@
           <p:cNvPr id="4" name="日期占位符 3">
             <a:extLst>
               <a:ext uri="{FF2B5EF4-FFF2-40B4-BE49-F238E27FC236}">
-                <a16:creationId xmlns:a16="http://schemas.microsoft.com/office/drawing/2014/main" id="{509789F2-AC5C-5BD8-689B-A511E19AA86D}"/>
+                <a16:creationId xmlns:a16="http://schemas.microsoft.com/office/drawing/2014/main" id="{AC0BFCF6-85BA-F434-2841-D8ED5EAC9ABD}"/>
               </a:ext>
             </a:extLst>
           </p:cNvPr>
@@ -856,7 +856,7 @@
           <a:bodyPr/>
           <a:lstStyle/>
           <a:p>
-            <a:fld id="{C946D64F-CE17-4FA0-B1F1-3E349C79039B}" type="datetimeFigureOut">
+            <a:fld id="{0965B52C-D0AA-4F2C-BECE-E790690F16A4}" type="datetimeFigureOut">
               <a:rPr lang="zh-CN" altLang="en-US" smtClean="0"/>
               <a:t>2024/3/10</a:t>
             </a:fld>
@@ -869,7 +869,7 @@
           <p:cNvPr id="5" name="页脚占位符 4">
             <a:extLst>
               <a:ext uri="{FF2B5EF4-FFF2-40B4-BE49-F238E27FC236}">
-                <a16:creationId xmlns:a16="http://schemas.microsoft.com/office/drawing/2014/main" id="{C5984586-1784-AE0F-8389-455C9DEF4628}"/>
+                <a16:creationId xmlns:a16="http://schemas.microsoft.com/office/drawing/2014/main" id="{08C3BEE3-9F93-FF62-A479-B1D32F77FEB8}"/>
               </a:ext>
             </a:extLst>
           </p:cNvPr>
@@ -894,7 +894,7 @@
           <p:cNvPr id="6" name="灯片编号占位符 5">
             <a:extLst>
               <a:ext uri="{FF2B5EF4-FFF2-40B4-BE49-F238E27FC236}">
-                <a16:creationId xmlns:a16="http://schemas.microsoft.com/office/drawing/2014/main" id="{B8757015-9E7E-F1DF-6FF1-374F995FCAC9}"/>
+                <a16:creationId xmlns:a16="http://schemas.microsoft.com/office/drawing/2014/main" id="{78F3EDC4-9C46-C17E-C1EF-1D7828FE84FC}"/>
               </a:ext>
             </a:extLst>
           </p:cNvPr>
@@ -910,7 +910,7 @@
           <a:bodyPr/>
           <a:lstStyle/>
           <a:p>
-            <a:fld id="{EF7ADB0E-C689-41B8-B3C0-43005615D644}" type="slidenum">
+            <a:fld id="{381EBD71-9C8E-4DB5-83E5-857CCE8FB160}" type="slidenum">
               <a:rPr lang="zh-CN" altLang="en-US" smtClean="0"/>
               <a:t>‹#›</a:t>
             </a:fld>
@@ -921,7 +921,7 @@
     </p:spTree>
     <p:extLst>
       <p:ext uri="{BB962C8B-B14F-4D97-AF65-F5344CB8AC3E}">
-        <p14:creationId xmlns:p14="http://schemas.microsoft.com/office/powerpoint/2010/main" val="632006408"/>
+        <p14:creationId xmlns:p14="http://schemas.microsoft.com/office/powerpoint/2010/main" val="2337396063"/>
       </p:ext>
     </p:extLst>
   </p:cSld>
@@ -953,7 +953,7 @@
           <p:cNvPr id="2" name="标题 1">
             <a:extLst>
               <a:ext uri="{FF2B5EF4-FFF2-40B4-BE49-F238E27FC236}">
-                <a16:creationId xmlns:a16="http://schemas.microsoft.com/office/drawing/2014/main" id="{C906E3DC-B13B-AB57-D903-3F3001D67966}"/>
+                <a16:creationId xmlns:a16="http://schemas.microsoft.com/office/drawing/2014/main" id="{2EDBA001-0CEA-8496-A704-7D14A4594833}"/>
               </a:ext>
             </a:extLst>
           </p:cNvPr>
@@ -990,7 +990,7 @@
           <p:cNvPr id="3" name="文本占位符 2">
             <a:extLst>
               <a:ext uri="{FF2B5EF4-FFF2-40B4-BE49-F238E27FC236}">
-                <a16:creationId xmlns:a16="http://schemas.microsoft.com/office/drawing/2014/main" id="{0C810839-BCBF-8FF3-8904-A945F6DA1F16}"/>
+                <a16:creationId xmlns:a16="http://schemas.microsoft.com/office/drawing/2014/main" id="{F15EA163-FD4F-ADC8-6BC3-54F5C1CD6002}"/>
               </a:ext>
             </a:extLst>
           </p:cNvPr>
@@ -1115,7 +1115,7 @@
           <p:cNvPr id="4" name="日期占位符 3">
             <a:extLst>
               <a:ext uri="{FF2B5EF4-FFF2-40B4-BE49-F238E27FC236}">
-                <a16:creationId xmlns:a16="http://schemas.microsoft.com/office/drawing/2014/main" id="{2F3FFC93-0019-0692-291C-E7B723BC0182}"/>
+                <a16:creationId xmlns:a16="http://schemas.microsoft.com/office/drawing/2014/main" id="{5A7CD8F3-B701-0E2F-B4CF-33B06EB445C8}"/>
               </a:ext>
             </a:extLst>
           </p:cNvPr>
@@ -1131,7 +1131,7 @@
           <a:bodyPr/>
           <a:lstStyle/>
           <a:p>
-            <a:fld id="{C946D64F-CE17-4FA0-B1F1-3E349C79039B}" type="datetimeFigureOut">
+            <a:fld id="{0965B52C-D0AA-4F2C-BECE-E790690F16A4}" type="datetimeFigureOut">
               <a:rPr lang="zh-CN" altLang="en-US" smtClean="0"/>
               <a:t>2024/3/10</a:t>
             </a:fld>
@@ -1144,7 +1144,7 @@
           <p:cNvPr id="5" name="页脚占位符 4">
             <a:extLst>
               <a:ext uri="{FF2B5EF4-FFF2-40B4-BE49-F238E27FC236}">
-                <a16:creationId xmlns:a16="http://schemas.microsoft.com/office/drawing/2014/main" id="{29936806-D55D-DE53-7865-97DB395D6A65}"/>
+                <a16:creationId xmlns:a16="http://schemas.microsoft.com/office/drawing/2014/main" id="{8437652C-F683-829F-557E-664066928F2A}"/>
               </a:ext>
             </a:extLst>
           </p:cNvPr>
@@ -1169,7 +1169,7 @@
           <p:cNvPr id="6" name="灯片编号占位符 5">
             <a:extLst>
               <a:ext uri="{FF2B5EF4-FFF2-40B4-BE49-F238E27FC236}">
-                <a16:creationId xmlns:a16="http://schemas.microsoft.com/office/drawing/2014/main" id="{3BDF5D8F-B953-B9A1-C976-C087B3BB66D4}"/>
+                <a16:creationId xmlns:a16="http://schemas.microsoft.com/office/drawing/2014/main" id="{04120C9A-FCC4-16BB-4C44-F73CE65D2870}"/>
               </a:ext>
             </a:extLst>
           </p:cNvPr>
@@ -1185,7 +1185,7 @@
           <a:bodyPr/>
           <a:lstStyle/>
           <a:p>
-            <a:fld id="{EF7ADB0E-C689-41B8-B3C0-43005615D644}" type="slidenum">
+            <a:fld id="{381EBD71-9C8E-4DB5-83E5-857CCE8FB160}" type="slidenum">
               <a:rPr lang="zh-CN" altLang="en-US" smtClean="0"/>
               <a:t>‹#›</a:t>
             </a:fld>
@@ -1196,7 +1196,7 @@
     </p:spTree>
     <p:extLst>
       <p:ext uri="{BB962C8B-B14F-4D97-AF65-F5344CB8AC3E}">
-        <p14:creationId xmlns:p14="http://schemas.microsoft.com/office/powerpoint/2010/main" val="2250240408"/>
+        <p14:creationId xmlns:p14="http://schemas.microsoft.com/office/powerpoint/2010/main" val="1283801396"/>
       </p:ext>
     </p:extLst>
   </p:cSld>
@@ -1228,7 +1228,7 @@
           <p:cNvPr id="2" name="标题 1">
             <a:extLst>
               <a:ext uri="{FF2B5EF4-FFF2-40B4-BE49-F238E27FC236}">
-                <a16:creationId xmlns:a16="http://schemas.microsoft.com/office/drawing/2014/main" id="{D6DF39AE-4E06-2F68-1C6B-2938B1DB8791}"/>
+                <a16:creationId xmlns:a16="http://schemas.microsoft.com/office/drawing/2014/main" id="{A006BFDB-946B-3473-1FB7-70FD3AC24B14}"/>
               </a:ext>
             </a:extLst>
           </p:cNvPr>
@@ -1256,7 +1256,7 @@
           <p:cNvPr id="3" name="内容占位符 2">
             <a:extLst>
               <a:ext uri="{FF2B5EF4-FFF2-40B4-BE49-F238E27FC236}">
-                <a16:creationId xmlns:a16="http://schemas.microsoft.com/office/drawing/2014/main" id="{A397BE32-102E-7724-0FE3-5FE0D2080DEA}"/>
+                <a16:creationId xmlns:a16="http://schemas.microsoft.com/office/drawing/2014/main" id="{D1DD0B1B-DF51-137C-6BC1-08F983A53CFF}"/>
               </a:ext>
             </a:extLst>
           </p:cNvPr>
@@ -1318,7 +1318,7 @@
           <p:cNvPr id="4" name="内容占位符 3">
             <a:extLst>
               <a:ext uri="{FF2B5EF4-FFF2-40B4-BE49-F238E27FC236}">
-                <a16:creationId xmlns:a16="http://schemas.microsoft.com/office/drawing/2014/main" id="{A1C3FD6A-A212-2D5E-C4F8-3A2448CBE0BA}"/>
+                <a16:creationId xmlns:a16="http://schemas.microsoft.com/office/drawing/2014/main" id="{944F31FC-0117-5651-7B12-1DCDFB7E6F14}"/>
               </a:ext>
             </a:extLst>
           </p:cNvPr>
@@ -1380,7 +1380,7 @@
           <p:cNvPr id="5" name="日期占位符 4">
             <a:extLst>
               <a:ext uri="{FF2B5EF4-FFF2-40B4-BE49-F238E27FC236}">
-                <a16:creationId xmlns:a16="http://schemas.microsoft.com/office/drawing/2014/main" id="{DE36FF4D-5DA4-A06F-D3A8-D2C37FB4BE55}"/>
+                <a16:creationId xmlns:a16="http://schemas.microsoft.com/office/drawing/2014/main" id="{B8C12C53-E9A1-C7D2-DF46-B462E4F29C63}"/>
               </a:ext>
             </a:extLst>
           </p:cNvPr>
@@ -1396,7 +1396,7 @@
           <a:bodyPr/>
           <a:lstStyle/>
           <a:p>
-            <a:fld id="{C946D64F-CE17-4FA0-B1F1-3E349C79039B}" type="datetimeFigureOut">
+            <a:fld id="{0965B52C-D0AA-4F2C-BECE-E790690F16A4}" type="datetimeFigureOut">
               <a:rPr lang="zh-CN" altLang="en-US" smtClean="0"/>
               <a:t>2024/3/10</a:t>
             </a:fld>
@@ -1409,7 +1409,7 @@
           <p:cNvPr id="6" name="页脚占位符 5">
             <a:extLst>
               <a:ext uri="{FF2B5EF4-FFF2-40B4-BE49-F238E27FC236}">
-                <a16:creationId xmlns:a16="http://schemas.microsoft.com/office/drawing/2014/main" id="{E3137739-8DAD-70CC-8E8E-D865E9FFE012}"/>
+                <a16:creationId xmlns:a16="http://schemas.microsoft.com/office/drawing/2014/main" id="{91F8CA38-9AE2-A3B1-49E7-D5D2621EC073}"/>
               </a:ext>
             </a:extLst>
           </p:cNvPr>
@@ -1434,7 +1434,7 @@
           <p:cNvPr id="7" name="灯片编号占位符 6">
             <a:extLst>
               <a:ext uri="{FF2B5EF4-FFF2-40B4-BE49-F238E27FC236}">
-                <a16:creationId xmlns:a16="http://schemas.microsoft.com/office/drawing/2014/main" id="{AFD5203A-5DF4-DC70-2E73-EBB160684FD4}"/>
+                <a16:creationId xmlns:a16="http://schemas.microsoft.com/office/drawing/2014/main" id="{93FD0F98-0DA7-5EF6-3B12-02EAF968FBF2}"/>
               </a:ext>
             </a:extLst>
           </p:cNvPr>
@@ -1450,7 +1450,7 @@
           <a:bodyPr/>
           <a:lstStyle/>
           <a:p>
-            <a:fld id="{EF7ADB0E-C689-41B8-B3C0-43005615D644}" type="slidenum">
+            <a:fld id="{381EBD71-9C8E-4DB5-83E5-857CCE8FB160}" type="slidenum">
               <a:rPr lang="zh-CN" altLang="en-US" smtClean="0"/>
               <a:t>‹#›</a:t>
             </a:fld>
@@ -1461,7 +1461,7 @@
     </p:spTree>
     <p:extLst>
       <p:ext uri="{BB962C8B-B14F-4D97-AF65-F5344CB8AC3E}">
-        <p14:creationId xmlns:p14="http://schemas.microsoft.com/office/powerpoint/2010/main" val="7173631"/>
+        <p14:creationId xmlns:p14="http://schemas.microsoft.com/office/powerpoint/2010/main" val="1128225480"/>
       </p:ext>
     </p:extLst>
   </p:cSld>
@@ -1493,7 +1493,7 @@
           <p:cNvPr id="2" name="标题 1">
             <a:extLst>
               <a:ext uri="{FF2B5EF4-FFF2-40B4-BE49-F238E27FC236}">
-                <a16:creationId xmlns:a16="http://schemas.microsoft.com/office/drawing/2014/main" id="{548F0CD2-F941-EA80-2342-ABE92837F442}"/>
+                <a16:creationId xmlns:a16="http://schemas.microsoft.com/office/drawing/2014/main" id="{C9E4864D-28EC-CF96-B971-9B01BC337C7C}"/>
               </a:ext>
             </a:extLst>
           </p:cNvPr>
@@ -1526,7 +1526,7 @@
           <p:cNvPr id="3" name="文本占位符 2">
             <a:extLst>
               <a:ext uri="{FF2B5EF4-FFF2-40B4-BE49-F238E27FC236}">
-                <a16:creationId xmlns:a16="http://schemas.microsoft.com/office/drawing/2014/main" id="{4CB852F3-A760-5A0C-9EA8-8ABB7F35DBB1}"/>
+                <a16:creationId xmlns:a16="http://schemas.microsoft.com/office/drawing/2014/main" id="{23338A44-ED14-9480-7348-D5398E900049}"/>
               </a:ext>
             </a:extLst>
           </p:cNvPr>
@@ -1597,7 +1597,7 @@
           <p:cNvPr id="4" name="内容占位符 3">
             <a:extLst>
               <a:ext uri="{FF2B5EF4-FFF2-40B4-BE49-F238E27FC236}">
-                <a16:creationId xmlns:a16="http://schemas.microsoft.com/office/drawing/2014/main" id="{E17A5ABD-64BC-3521-4272-031E9AA26E3F}"/>
+                <a16:creationId xmlns:a16="http://schemas.microsoft.com/office/drawing/2014/main" id="{7DDE9111-27D6-0E40-DAB5-2DDD500021AD}"/>
               </a:ext>
             </a:extLst>
           </p:cNvPr>
@@ -1659,7 +1659,7 @@
           <p:cNvPr id="5" name="文本占位符 4">
             <a:extLst>
               <a:ext uri="{FF2B5EF4-FFF2-40B4-BE49-F238E27FC236}">
-                <a16:creationId xmlns:a16="http://schemas.microsoft.com/office/drawing/2014/main" id="{52A188A5-FFC2-B20D-EBE6-5408ED69E995}"/>
+                <a16:creationId xmlns:a16="http://schemas.microsoft.com/office/drawing/2014/main" id="{3D30FFFA-4FE0-FC12-2B8C-61438BAFFBA5}"/>
               </a:ext>
             </a:extLst>
           </p:cNvPr>
@@ -1730,7 +1730,7 @@
           <p:cNvPr id="6" name="内容占位符 5">
             <a:extLst>
               <a:ext uri="{FF2B5EF4-FFF2-40B4-BE49-F238E27FC236}">
-                <a16:creationId xmlns:a16="http://schemas.microsoft.com/office/drawing/2014/main" id="{B6634077-080E-DE19-9A55-7499A9F580E9}"/>
+                <a16:creationId xmlns:a16="http://schemas.microsoft.com/office/drawing/2014/main" id="{C00EE018-E418-2354-450D-3F1059511DB9}"/>
               </a:ext>
             </a:extLst>
           </p:cNvPr>
@@ -1792,7 +1792,7 @@
           <p:cNvPr id="7" name="日期占位符 6">
             <a:extLst>
               <a:ext uri="{FF2B5EF4-FFF2-40B4-BE49-F238E27FC236}">
-                <a16:creationId xmlns:a16="http://schemas.microsoft.com/office/drawing/2014/main" id="{FB4484B7-2A49-3D30-8ECD-8B966E2046B7}"/>
+                <a16:creationId xmlns:a16="http://schemas.microsoft.com/office/drawing/2014/main" id="{90ABEBD6-D308-9138-94C8-216CF3872924}"/>
               </a:ext>
             </a:extLst>
           </p:cNvPr>
@@ -1808,7 +1808,7 @@
           <a:bodyPr/>
           <a:lstStyle/>
           <a:p>
-            <a:fld id="{C946D64F-CE17-4FA0-B1F1-3E349C79039B}" type="datetimeFigureOut">
+            <a:fld id="{0965B52C-D0AA-4F2C-BECE-E790690F16A4}" type="datetimeFigureOut">
               <a:rPr lang="zh-CN" altLang="en-US" smtClean="0"/>
               <a:t>2024/3/10</a:t>
             </a:fld>
@@ -1821,7 +1821,7 @@
           <p:cNvPr id="8" name="页脚占位符 7">
             <a:extLst>
               <a:ext uri="{FF2B5EF4-FFF2-40B4-BE49-F238E27FC236}">
-                <a16:creationId xmlns:a16="http://schemas.microsoft.com/office/drawing/2014/main" id="{E7A2E9A6-CAA2-169D-7682-D6D406FC8067}"/>
+                <a16:creationId xmlns:a16="http://schemas.microsoft.com/office/drawing/2014/main" id="{75264837-1E89-9BCB-7BC9-552883DA9459}"/>
               </a:ext>
             </a:extLst>
           </p:cNvPr>
@@ -1846,7 +1846,7 @@
           <p:cNvPr id="9" name="灯片编号占位符 8">
             <a:extLst>
               <a:ext uri="{FF2B5EF4-FFF2-40B4-BE49-F238E27FC236}">
-                <a16:creationId xmlns:a16="http://schemas.microsoft.com/office/drawing/2014/main" id="{204F6302-0ADD-F902-8BA7-742983A9542A}"/>
+                <a16:creationId xmlns:a16="http://schemas.microsoft.com/office/drawing/2014/main" id="{09515D88-7DB0-9204-9387-5336AF3E1E09}"/>
               </a:ext>
             </a:extLst>
           </p:cNvPr>
@@ -1862,7 +1862,7 @@
           <a:bodyPr/>
           <a:lstStyle/>
           <a:p>
-            <a:fld id="{EF7ADB0E-C689-41B8-B3C0-43005615D644}" type="slidenum">
+            <a:fld id="{381EBD71-9C8E-4DB5-83E5-857CCE8FB160}" type="slidenum">
               <a:rPr lang="zh-CN" altLang="en-US" smtClean="0"/>
               <a:t>‹#›</a:t>
             </a:fld>
@@ -1873,7 +1873,7 @@
     </p:spTree>
     <p:extLst>
       <p:ext uri="{BB962C8B-B14F-4D97-AF65-F5344CB8AC3E}">
-        <p14:creationId xmlns:p14="http://schemas.microsoft.com/office/powerpoint/2010/main" val="1483196065"/>
+        <p14:creationId xmlns:p14="http://schemas.microsoft.com/office/powerpoint/2010/main" val="28090693"/>
       </p:ext>
     </p:extLst>
   </p:cSld>
@@ -1905,7 +1905,7 @@
           <p:cNvPr id="2" name="标题 1">
             <a:extLst>
               <a:ext uri="{FF2B5EF4-FFF2-40B4-BE49-F238E27FC236}">
-                <a16:creationId xmlns:a16="http://schemas.microsoft.com/office/drawing/2014/main" id="{0F72E205-14E5-E2DE-E62A-2F59608895E4}"/>
+                <a16:creationId xmlns:a16="http://schemas.microsoft.com/office/drawing/2014/main" id="{A446A28D-F8C8-82EB-71FF-DEE6546073ED}"/>
               </a:ext>
             </a:extLst>
           </p:cNvPr>
@@ -1933,7 +1933,7 @@
           <p:cNvPr id="3" name="日期占位符 2">
             <a:extLst>
               <a:ext uri="{FF2B5EF4-FFF2-40B4-BE49-F238E27FC236}">
-                <a16:creationId xmlns:a16="http://schemas.microsoft.com/office/drawing/2014/main" id="{F8B0132C-FFC9-8369-9962-98A5BACC44F2}"/>
+                <a16:creationId xmlns:a16="http://schemas.microsoft.com/office/drawing/2014/main" id="{1C7E6ED6-2049-E27F-FD9C-7BF6D23A87BB}"/>
               </a:ext>
             </a:extLst>
           </p:cNvPr>
@@ -1949,7 +1949,7 @@
           <a:bodyPr/>
           <a:lstStyle/>
           <a:p>
-            <a:fld id="{C946D64F-CE17-4FA0-B1F1-3E349C79039B}" type="datetimeFigureOut">
+            <a:fld id="{0965B52C-D0AA-4F2C-BECE-E790690F16A4}" type="datetimeFigureOut">
               <a:rPr lang="zh-CN" altLang="en-US" smtClean="0"/>
               <a:t>2024/3/10</a:t>
             </a:fld>
@@ -1962,7 +1962,7 @@
           <p:cNvPr id="4" name="页脚占位符 3">
             <a:extLst>
               <a:ext uri="{FF2B5EF4-FFF2-40B4-BE49-F238E27FC236}">
-                <a16:creationId xmlns:a16="http://schemas.microsoft.com/office/drawing/2014/main" id="{60769314-C049-D824-4C98-EFEE80AE480A}"/>
+                <a16:creationId xmlns:a16="http://schemas.microsoft.com/office/drawing/2014/main" id="{78258444-55B2-72CC-59A0-E47F9BFC2BE8}"/>
               </a:ext>
             </a:extLst>
           </p:cNvPr>
@@ -1987,7 +1987,7 @@
           <p:cNvPr id="5" name="灯片编号占位符 4">
             <a:extLst>
               <a:ext uri="{FF2B5EF4-FFF2-40B4-BE49-F238E27FC236}">
-                <a16:creationId xmlns:a16="http://schemas.microsoft.com/office/drawing/2014/main" id="{1ABA64A1-84C1-AB02-A77F-C8B8A1C7B29B}"/>
+                <a16:creationId xmlns:a16="http://schemas.microsoft.com/office/drawing/2014/main" id="{87B2C21B-1CCD-8B84-3C63-2C8D22235595}"/>
               </a:ext>
             </a:extLst>
           </p:cNvPr>
@@ -2003,7 +2003,7 @@
           <a:bodyPr/>
           <a:lstStyle/>
           <a:p>
-            <a:fld id="{EF7ADB0E-C689-41B8-B3C0-43005615D644}" type="slidenum">
+            <a:fld id="{381EBD71-9C8E-4DB5-83E5-857CCE8FB160}" type="slidenum">
               <a:rPr lang="zh-CN" altLang="en-US" smtClean="0"/>
               <a:t>‹#›</a:t>
             </a:fld>
@@ -2014,7 +2014,7 @@
     </p:spTree>
     <p:extLst>
       <p:ext uri="{BB962C8B-B14F-4D97-AF65-F5344CB8AC3E}">
-        <p14:creationId xmlns:p14="http://schemas.microsoft.com/office/powerpoint/2010/main" val="2779779262"/>
+        <p14:creationId xmlns:p14="http://schemas.microsoft.com/office/powerpoint/2010/main" val="538300050"/>
       </p:ext>
     </p:extLst>
   </p:cSld>
@@ -2046,7 +2046,7 @@
           <p:cNvPr id="2" name="日期占位符 1">
             <a:extLst>
               <a:ext uri="{FF2B5EF4-FFF2-40B4-BE49-F238E27FC236}">
-                <a16:creationId xmlns:a16="http://schemas.microsoft.com/office/drawing/2014/main" id="{5F78F55C-85BD-8923-58AE-180CADC08FE3}"/>
+                <a16:creationId xmlns:a16="http://schemas.microsoft.com/office/drawing/2014/main" id="{F7B64FE8-3960-7011-218F-F60FF4B70445}"/>
               </a:ext>
             </a:extLst>
           </p:cNvPr>
@@ -2062,7 +2062,7 @@
           <a:bodyPr/>
           <a:lstStyle/>
           <a:p>
-            <a:fld id="{C946D64F-CE17-4FA0-B1F1-3E349C79039B}" type="datetimeFigureOut">
+            <a:fld id="{0965B52C-D0AA-4F2C-BECE-E790690F16A4}" type="datetimeFigureOut">
               <a:rPr lang="zh-CN" altLang="en-US" smtClean="0"/>
               <a:t>2024/3/10</a:t>
             </a:fld>
@@ -2075,7 +2075,7 @@
           <p:cNvPr id="3" name="页脚占位符 2">
             <a:extLst>
               <a:ext uri="{FF2B5EF4-FFF2-40B4-BE49-F238E27FC236}">
-                <a16:creationId xmlns:a16="http://schemas.microsoft.com/office/drawing/2014/main" id="{9C3A3BF1-DFD8-88F8-FD25-20CA362349B9}"/>
+                <a16:creationId xmlns:a16="http://schemas.microsoft.com/office/drawing/2014/main" id="{240BED78-2CB2-3A2E-2845-ED7C610FAB33}"/>
               </a:ext>
             </a:extLst>
           </p:cNvPr>
@@ -2100,7 +2100,7 @@
           <p:cNvPr id="4" name="灯片编号占位符 3">
             <a:extLst>
               <a:ext uri="{FF2B5EF4-FFF2-40B4-BE49-F238E27FC236}">
-                <a16:creationId xmlns:a16="http://schemas.microsoft.com/office/drawing/2014/main" id="{5BC2558A-40F3-3864-A1D7-53DEAF2B8027}"/>
+                <a16:creationId xmlns:a16="http://schemas.microsoft.com/office/drawing/2014/main" id="{9495994C-2BE4-9878-0396-5772C13C52F8}"/>
               </a:ext>
             </a:extLst>
           </p:cNvPr>
@@ -2116,7 +2116,7 @@
           <a:bodyPr/>
           <a:lstStyle/>
           <a:p>
-            <a:fld id="{EF7ADB0E-C689-41B8-B3C0-43005615D644}" type="slidenum">
+            <a:fld id="{381EBD71-9C8E-4DB5-83E5-857CCE8FB160}" type="slidenum">
               <a:rPr lang="zh-CN" altLang="en-US" smtClean="0"/>
               <a:t>‹#›</a:t>
             </a:fld>
@@ -2127,7 +2127,7 @@
     </p:spTree>
     <p:extLst>
       <p:ext uri="{BB962C8B-B14F-4D97-AF65-F5344CB8AC3E}">
-        <p14:creationId xmlns:p14="http://schemas.microsoft.com/office/powerpoint/2010/main" val="1082091173"/>
+        <p14:creationId xmlns:p14="http://schemas.microsoft.com/office/powerpoint/2010/main" val="3831351889"/>
       </p:ext>
     </p:extLst>
   </p:cSld>
@@ -2159,7 +2159,7 @@
           <p:cNvPr id="2" name="标题 1">
             <a:extLst>
               <a:ext uri="{FF2B5EF4-FFF2-40B4-BE49-F238E27FC236}">
-                <a16:creationId xmlns:a16="http://schemas.microsoft.com/office/drawing/2014/main" id="{A212A6CE-93E2-6CA3-3CA1-28819738A828}"/>
+                <a16:creationId xmlns:a16="http://schemas.microsoft.com/office/drawing/2014/main" id="{18E914EE-9FBD-80D8-DA96-9D87F4350B62}"/>
               </a:ext>
             </a:extLst>
           </p:cNvPr>
@@ -2196,7 +2196,7 @@
           <p:cNvPr id="3" name="内容占位符 2">
             <a:extLst>
               <a:ext uri="{FF2B5EF4-FFF2-40B4-BE49-F238E27FC236}">
-                <a16:creationId xmlns:a16="http://schemas.microsoft.com/office/drawing/2014/main" id="{540569B8-A7BA-2277-6A16-E6A13B7376D3}"/>
+                <a16:creationId xmlns:a16="http://schemas.microsoft.com/office/drawing/2014/main" id="{6B1120D9-EF1B-9E2A-1E64-DACD04266376}"/>
               </a:ext>
             </a:extLst>
           </p:cNvPr>
@@ -2286,7 +2286,7 @@
           <p:cNvPr id="4" name="文本占位符 3">
             <a:extLst>
               <a:ext uri="{FF2B5EF4-FFF2-40B4-BE49-F238E27FC236}">
-                <a16:creationId xmlns:a16="http://schemas.microsoft.com/office/drawing/2014/main" id="{5DBA4C1A-09B1-FF0E-C288-918E467C0246}"/>
+                <a16:creationId xmlns:a16="http://schemas.microsoft.com/office/drawing/2014/main" id="{8683F5F8-7E1A-14FD-C833-557FAC97ECC4}"/>
               </a:ext>
             </a:extLst>
           </p:cNvPr>
@@ -2357,7 +2357,7 @@
           <p:cNvPr id="5" name="日期占位符 4">
             <a:extLst>
               <a:ext uri="{FF2B5EF4-FFF2-40B4-BE49-F238E27FC236}">
-                <a16:creationId xmlns:a16="http://schemas.microsoft.com/office/drawing/2014/main" id="{5D909F2E-3456-AEDF-E2E8-B5EDE8A4AB08}"/>
+                <a16:creationId xmlns:a16="http://schemas.microsoft.com/office/drawing/2014/main" id="{9614367E-FB3D-F433-00F4-6C1230A3EEAB}"/>
               </a:ext>
             </a:extLst>
           </p:cNvPr>
@@ -2373,7 +2373,7 @@
           <a:bodyPr/>
           <a:lstStyle/>
           <a:p>
-            <a:fld id="{C946D64F-CE17-4FA0-B1F1-3E349C79039B}" type="datetimeFigureOut">
+            <a:fld id="{0965B52C-D0AA-4F2C-BECE-E790690F16A4}" type="datetimeFigureOut">
               <a:rPr lang="zh-CN" altLang="en-US" smtClean="0"/>
               <a:t>2024/3/10</a:t>
             </a:fld>
@@ -2386,7 +2386,7 @@
           <p:cNvPr id="6" name="页脚占位符 5">
             <a:extLst>
               <a:ext uri="{FF2B5EF4-FFF2-40B4-BE49-F238E27FC236}">
-                <a16:creationId xmlns:a16="http://schemas.microsoft.com/office/drawing/2014/main" id="{C53E4319-528E-A07F-4F84-92F776223117}"/>
+                <a16:creationId xmlns:a16="http://schemas.microsoft.com/office/drawing/2014/main" id="{CAA55F52-C4BE-6C11-EEBA-46B4B0F30754}"/>
               </a:ext>
             </a:extLst>
           </p:cNvPr>
@@ -2411,7 +2411,7 @@
           <p:cNvPr id="7" name="灯片编号占位符 6">
             <a:extLst>
               <a:ext uri="{FF2B5EF4-FFF2-40B4-BE49-F238E27FC236}">
-                <a16:creationId xmlns:a16="http://schemas.microsoft.com/office/drawing/2014/main" id="{A326AD5F-36D0-65FC-E833-08792F3F77D4}"/>
+                <a16:creationId xmlns:a16="http://schemas.microsoft.com/office/drawing/2014/main" id="{7C19E3EB-F400-EF99-FD24-10AE84BD0492}"/>
               </a:ext>
             </a:extLst>
           </p:cNvPr>
@@ -2427,7 +2427,7 @@
           <a:bodyPr/>
           <a:lstStyle/>
           <a:p>
-            <a:fld id="{EF7ADB0E-C689-41B8-B3C0-43005615D644}" type="slidenum">
+            <a:fld id="{381EBD71-9C8E-4DB5-83E5-857CCE8FB160}" type="slidenum">
               <a:rPr lang="zh-CN" altLang="en-US" smtClean="0"/>
               <a:t>‹#›</a:t>
             </a:fld>
@@ -2438,7 +2438,7 @@
     </p:spTree>
     <p:extLst>
       <p:ext uri="{BB962C8B-B14F-4D97-AF65-F5344CB8AC3E}">
-        <p14:creationId xmlns:p14="http://schemas.microsoft.com/office/powerpoint/2010/main" val="287475991"/>
+        <p14:creationId xmlns:p14="http://schemas.microsoft.com/office/powerpoint/2010/main" val="2376301468"/>
       </p:ext>
     </p:extLst>
   </p:cSld>
@@ -2470,7 +2470,7 @@
           <p:cNvPr id="2" name="标题 1">
             <a:extLst>
               <a:ext uri="{FF2B5EF4-FFF2-40B4-BE49-F238E27FC236}">
-                <a16:creationId xmlns:a16="http://schemas.microsoft.com/office/drawing/2014/main" id="{A0AEFA04-A756-4E7E-432D-945EC1E6D1DE}"/>
+                <a16:creationId xmlns:a16="http://schemas.microsoft.com/office/drawing/2014/main" id="{2C1D647A-758E-2183-6707-FBB338BFF472}"/>
               </a:ext>
             </a:extLst>
           </p:cNvPr>
@@ -2507,7 +2507,7 @@
           <p:cNvPr id="3" name="图片占位符 2">
             <a:extLst>
               <a:ext uri="{FF2B5EF4-FFF2-40B4-BE49-F238E27FC236}">
-                <a16:creationId xmlns:a16="http://schemas.microsoft.com/office/drawing/2014/main" id="{0E979866-F8B5-7774-0AD0-0CCEDB6D650A}"/>
+                <a16:creationId xmlns:a16="http://schemas.microsoft.com/office/drawing/2014/main" id="{1DF2B839-4D8A-F8E4-0873-139B0050FE96}"/>
               </a:ext>
             </a:extLst>
           </p:cNvPr>
@@ -2574,7 +2574,7 @@
           <p:cNvPr id="4" name="文本占位符 3">
             <a:extLst>
               <a:ext uri="{FF2B5EF4-FFF2-40B4-BE49-F238E27FC236}">
-                <a16:creationId xmlns:a16="http://schemas.microsoft.com/office/drawing/2014/main" id="{0292FC35-C1F5-FA74-5A3D-B9193868228E}"/>
+                <a16:creationId xmlns:a16="http://schemas.microsoft.com/office/drawing/2014/main" id="{20595CB9-9A44-B739-3720-24516CD6AA3B}"/>
               </a:ext>
             </a:extLst>
           </p:cNvPr>
@@ -2645,7 +2645,7 @@
           <p:cNvPr id="5" name="日期占位符 4">
             <a:extLst>
               <a:ext uri="{FF2B5EF4-FFF2-40B4-BE49-F238E27FC236}">
-                <a16:creationId xmlns:a16="http://schemas.microsoft.com/office/drawing/2014/main" id="{F344D4B9-9D37-DADA-F427-C0055DC9F258}"/>
+                <a16:creationId xmlns:a16="http://schemas.microsoft.com/office/drawing/2014/main" id="{5E409FEB-9A2C-FEE9-0150-8BF0C72A3FA1}"/>
               </a:ext>
             </a:extLst>
           </p:cNvPr>
@@ -2661,7 +2661,7 @@
           <a:bodyPr/>
           <a:lstStyle/>
           <a:p>
-            <a:fld id="{C946D64F-CE17-4FA0-B1F1-3E349C79039B}" type="datetimeFigureOut">
+            <a:fld id="{0965B52C-D0AA-4F2C-BECE-E790690F16A4}" type="datetimeFigureOut">
               <a:rPr lang="zh-CN" altLang="en-US" smtClean="0"/>
               <a:t>2024/3/10</a:t>
             </a:fld>
@@ -2674,7 +2674,7 @@
           <p:cNvPr id="6" name="页脚占位符 5">
             <a:extLst>
               <a:ext uri="{FF2B5EF4-FFF2-40B4-BE49-F238E27FC236}">
-                <a16:creationId xmlns:a16="http://schemas.microsoft.com/office/drawing/2014/main" id="{BB771C3F-1AB7-4A51-EAC8-AD835827BC26}"/>
+                <a16:creationId xmlns:a16="http://schemas.microsoft.com/office/drawing/2014/main" id="{E90D7C73-20DE-C8E6-8E3F-D456EFF3638B}"/>
               </a:ext>
             </a:extLst>
           </p:cNvPr>
@@ -2699,7 +2699,7 @@
           <p:cNvPr id="7" name="灯片编号占位符 6">
             <a:extLst>
               <a:ext uri="{FF2B5EF4-FFF2-40B4-BE49-F238E27FC236}">
-                <a16:creationId xmlns:a16="http://schemas.microsoft.com/office/drawing/2014/main" id="{75E96B95-14D4-CA10-47BB-E5E9455BDA02}"/>
+                <a16:creationId xmlns:a16="http://schemas.microsoft.com/office/drawing/2014/main" id="{E705B5A8-DEB9-026F-7DA9-B3797FFFF264}"/>
               </a:ext>
             </a:extLst>
           </p:cNvPr>
@@ -2715,7 +2715,7 @@
           <a:bodyPr/>
           <a:lstStyle/>
           <a:p>
-            <a:fld id="{EF7ADB0E-C689-41B8-B3C0-43005615D644}" type="slidenum">
+            <a:fld id="{381EBD71-9C8E-4DB5-83E5-857CCE8FB160}" type="slidenum">
               <a:rPr lang="zh-CN" altLang="en-US" smtClean="0"/>
               <a:t>‹#›</a:t>
             </a:fld>
@@ -2726,7 +2726,7 @@
     </p:spTree>
     <p:extLst>
       <p:ext uri="{BB962C8B-B14F-4D97-AF65-F5344CB8AC3E}">
-        <p14:creationId xmlns:p14="http://schemas.microsoft.com/office/powerpoint/2010/main" val="1648522923"/>
+        <p14:creationId xmlns:p14="http://schemas.microsoft.com/office/powerpoint/2010/main" val="2683516379"/>
       </p:ext>
     </p:extLst>
   </p:cSld>
@@ -2763,7 +2763,7 @@
           <p:cNvPr id="2" name="标题占位符 1">
             <a:extLst>
               <a:ext uri="{FF2B5EF4-FFF2-40B4-BE49-F238E27FC236}">
-                <a16:creationId xmlns:a16="http://schemas.microsoft.com/office/drawing/2014/main" id="{D4079D5C-4BF3-C5D7-8093-C92C8D249198}"/>
+                <a16:creationId xmlns:a16="http://schemas.microsoft.com/office/drawing/2014/main" id="{4A7A1942-480E-E5CC-7800-C5DD25639B8C}"/>
               </a:ext>
             </a:extLst>
           </p:cNvPr>
@@ -2801,7 +2801,7 @@
           <p:cNvPr id="3" name="文本占位符 2">
             <a:extLst>
               <a:ext uri="{FF2B5EF4-FFF2-40B4-BE49-F238E27FC236}">
-                <a16:creationId xmlns:a16="http://schemas.microsoft.com/office/drawing/2014/main" id="{5DE46A5A-186C-9C02-E30D-9D3F2309081A}"/>
+                <a16:creationId xmlns:a16="http://schemas.microsoft.com/office/drawing/2014/main" id="{CFD1A0F5-4614-3EB0-257E-DB2DFF40EB59}"/>
               </a:ext>
             </a:extLst>
           </p:cNvPr>
@@ -2868,7 +2868,7 @@
           <p:cNvPr id="4" name="日期占位符 3">
             <a:extLst>
               <a:ext uri="{FF2B5EF4-FFF2-40B4-BE49-F238E27FC236}">
-                <a16:creationId xmlns:a16="http://schemas.microsoft.com/office/drawing/2014/main" id="{9B736318-DFDB-0008-F0B5-AFD4C79CA3F4}"/>
+                <a16:creationId xmlns:a16="http://schemas.microsoft.com/office/drawing/2014/main" id="{90EDFE87-FBC1-42A2-99B2-DC5CF532C84A}"/>
               </a:ext>
             </a:extLst>
           </p:cNvPr>
@@ -2902,7 +2902,7 @@
             </a:lvl1pPr>
           </a:lstStyle>
           <a:p>
-            <a:fld id="{C946D64F-CE17-4FA0-B1F1-3E349C79039B}" type="datetimeFigureOut">
+            <a:fld id="{0965B52C-D0AA-4F2C-BECE-E790690F16A4}" type="datetimeFigureOut">
               <a:rPr lang="zh-CN" altLang="en-US" smtClean="0"/>
               <a:t>2024/3/10</a:t>
             </a:fld>
@@ -2915,7 +2915,7 @@
           <p:cNvPr id="5" name="页脚占位符 4">
             <a:extLst>
               <a:ext uri="{FF2B5EF4-FFF2-40B4-BE49-F238E27FC236}">
-                <a16:creationId xmlns:a16="http://schemas.microsoft.com/office/drawing/2014/main" id="{CB4D06D2-D5FB-3F2C-D1CA-265E058038B1}"/>
+                <a16:creationId xmlns:a16="http://schemas.microsoft.com/office/drawing/2014/main" id="{E5148540-B865-BA28-33EE-A4A1807371FA}"/>
               </a:ext>
             </a:extLst>
           </p:cNvPr>
@@ -2958,7 +2958,7 @@
           <p:cNvPr id="6" name="灯片编号占位符 5">
             <a:extLst>
               <a:ext uri="{FF2B5EF4-FFF2-40B4-BE49-F238E27FC236}">
-                <a16:creationId xmlns:a16="http://schemas.microsoft.com/office/drawing/2014/main" id="{71F266D3-496B-EBBA-D2AB-A29BC32BB294}"/>
+                <a16:creationId xmlns:a16="http://schemas.microsoft.com/office/drawing/2014/main" id="{CAF651A2-654E-7CE3-F165-2D8BDCE5100B}"/>
               </a:ext>
             </a:extLst>
           </p:cNvPr>
@@ -2992,7 +2992,7 @@
             </a:lvl1pPr>
           </a:lstStyle>
           <a:p>
-            <a:fld id="{EF7ADB0E-C689-41B8-B3C0-43005615D644}" type="slidenum">
+            <a:fld id="{381EBD71-9C8E-4DB5-83E5-857CCE8FB160}" type="slidenum">
               <a:rPr lang="zh-CN" altLang="en-US" smtClean="0"/>
               <a:t>‹#›</a:t>
             </a:fld>
@@ -3003,7 +3003,7 @@
     </p:spTree>
     <p:extLst>
       <p:ext uri="{BB962C8B-B14F-4D97-AF65-F5344CB8AC3E}">
-        <p14:creationId xmlns:p14="http://schemas.microsoft.com/office/powerpoint/2010/main" val="3688438097"/>
+        <p14:creationId xmlns:p14="http://schemas.microsoft.com/office/powerpoint/2010/main" val="2119299487"/>
       </p:ext>
     </p:extLst>
   </p:cSld>
@@ -3323,7 +3323,7 @@
       </p:grpSpPr>
       <p:pic>
         <p:nvPicPr>
-          <p:cNvPr id="1645570" name="Picture 2" descr="1606"/>
+          <p:cNvPr id="1646594" name="Picture 2" descr="1607"/>
           <p:cNvPicPr>
             <a:picLocks noChangeAspect="1" noChangeArrowheads="1"/>
           </p:cNvPicPr>
@@ -3344,8 +3344,8 @@
         </p:blipFill>
         <p:spPr bwMode="auto">
           <a:xfrm>
-            <a:off x="1524000" y="1"/>
-            <a:ext cx="9124950" cy="6843713"/>
+            <a:off x="1543050" y="14288"/>
+            <a:ext cx="9124950" cy="6843712"/>
           </a:xfrm>
           <a:prstGeom prst="rect">
             <a:avLst/>
